--- a/Docs/Diagroms.pptx
+++ b/Docs/Diagroms.pptx
@@ -6,6 +6,9 @@
   </p:sldMasterIdLst>
   <p:sldIdLst>
     <p:sldId id="256" r:id="rId2"/>
+    <p:sldId id="257" r:id="rId3"/>
+    <p:sldId id="258" r:id="rId4"/>
+    <p:sldId id="259" r:id="rId5"/>
   </p:sldIdLst>
   <p:sldSz cx="12192000" cy="6858000"/>
   <p:notesSz cx="6858000" cy="9144000"/>
@@ -104,6 +107,11 @@
       </a:defRPr>
     </a:lvl9pPr>
   </p:defaultTextStyle>
+  <p:extLst>
+    <p:ext uri="{EFAFB233-063F-42B5-8137-9DF3F51BA10A}">
+      <p15:sldGuideLst xmlns:p15="http://schemas.microsoft.com/office/powerpoint/2012/main"/>
+    </p:ext>
+  </p:extLst>
 </p:presentation>
 </file>
 
@@ -238,7 +246,7 @@
           <a:p>
             <a:fld id="{8007FAF1-9C13-4905-84E4-2535DA1645F1}" type="datetimeFigureOut">
               <a:rPr lang="en-US" smtClean="0"/>
-              <a:t>11/4/2021</a:t>
+              <a:t>11/5/2021</a:t>
             </a:fld>
             <a:endParaRPr lang="en-US"/>
           </a:p>
@@ -408,7 +416,7 @@
           <a:p>
             <a:fld id="{8007FAF1-9C13-4905-84E4-2535DA1645F1}" type="datetimeFigureOut">
               <a:rPr lang="en-US" smtClean="0"/>
-              <a:t>11/4/2021</a:t>
+              <a:t>11/5/2021</a:t>
             </a:fld>
             <a:endParaRPr lang="en-US"/>
           </a:p>
@@ -588,7 +596,7 @@
           <a:p>
             <a:fld id="{8007FAF1-9C13-4905-84E4-2535DA1645F1}" type="datetimeFigureOut">
               <a:rPr lang="en-US" smtClean="0"/>
-              <a:t>11/4/2021</a:t>
+              <a:t>11/5/2021</a:t>
             </a:fld>
             <a:endParaRPr lang="en-US"/>
           </a:p>
@@ -758,7 +766,7 @@
           <a:p>
             <a:fld id="{8007FAF1-9C13-4905-84E4-2535DA1645F1}" type="datetimeFigureOut">
               <a:rPr lang="en-US" smtClean="0"/>
-              <a:t>11/4/2021</a:t>
+              <a:t>11/5/2021</a:t>
             </a:fld>
             <a:endParaRPr lang="en-US"/>
           </a:p>
@@ -1004,7 +1012,7 @@
           <a:p>
             <a:fld id="{8007FAF1-9C13-4905-84E4-2535DA1645F1}" type="datetimeFigureOut">
               <a:rPr lang="en-US" smtClean="0"/>
-              <a:t>11/4/2021</a:t>
+              <a:t>11/5/2021</a:t>
             </a:fld>
             <a:endParaRPr lang="en-US"/>
           </a:p>
@@ -1236,7 +1244,7 @@
           <a:p>
             <a:fld id="{8007FAF1-9C13-4905-84E4-2535DA1645F1}" type="datetimeFigureOut">
               <a:rPr lang="en-US" smtClean="0"/>
-              <a:t>11/4/2021</a:t>
+              <a:t>11/5/2021</a:t>
             </a:fld>
             <a:endParaRPr lang="en-US"/>
           </a:p>
@@ -1603,7 +1611,7 @@
           <a:p>
             <a:fld id="{8007FAF1-9C13-4905-84E4-2535DA1645F1}" type="datetimeFigureOut">
               <a:rPr lang="en-US" smtClean="0"/>
-              <a:t>11/4/2021</a:t>
+              <a:t>11/5/2021</a:t>
             </a:fld>
             <a:endParaRPr lang="en-US"/>
           </a:p>
@@ -1721,7 +1729,7 @@
           <a:p>
             <a:fld id="{8007FAF1-9C13-4905-84E4-2535DA1645F1}" type="datetimeFigureOut">
               <a:rPr lang="en-US" smtClean="0"/>
-              <a:t>11/4/2021</a:t>
+              <a:t>11/5/2021</a:t>
             </a:fld>
             <a:endParaRPr lang="en-US"/>
           </a:p>
@@ -1816,7 +1824,7 @@
           <a:p>
             <a:fld id="{8007FAF1-9C13-4905-84E4-2535DA1645F1}" type="datetimeFigureOut">
               <a:rPr lang="en-US" smtClean="0"/>
-              <a:t>11/4/2021</a:t>
+              <a:t>11/5/2021</a:t>
             </a:fld>
             <a:endParaRPr lang="en-US"/>
           </a:p>
@@ -2093,7 +2101,7 @@
           <a:p>
             <a:fld id="{8007FAF1-9C13-4905-84E4-2535DA1645F1}" type="datetimeFigureOut">
               <a:rPr lang="en-US" smtClean="0"/>
-              <a:t>11/4/2021</a:t>
+              <a:t>11/5/2021</a:t>
             </a:fld>
             <a:endParaRPr lang="en-US"/>
           </a:p>
@@ -2346,7 +2354,7 @@
           <a:p>
             <a:fld id="{8007FAF1-9C13-4905-84E4-2535DA1645F1}" type="datetimeFigureOut">
               <a:rPr lang="en-US" smtClean="0"/>
-              <a:t>11/4/2021</a:t>
+              <a:t>11/5/2021</a:t>
             </a:fld>
             <a:endParaRPr lang="en-US"/>
           </a:p>
@@ -2559,7 +2567,7 @@
           <a:p>
             <a:fld id="{8007FAF1-9C13-4905-84E4-2535DA1645F1}" type="datetimeFigureOut">
               <a:rPr lang="en-US" smtClean="0"/>
-              <a:t>11/4/2021</a:t>
+              <a:t>11/5/2021</a:t>
             </a:fld>
             <a:endParaRPr lang="en-US"/>
           </a:p>
@@ -3240,6 +3248,288 @@
 </p:sld>
 </file>
 
+<file path=ppt/slides/slide2.xml><?xml version="1.0" encoding="utf-8"?>
+<p:sld xmlns:a="http://schemas.openxmlformats.org/drawingml/2006/main" xmlns:r="http://schemas.openxmlformats.org/officeDocument/2006/relationships" xmlns:p="http://schemas.openxmlformats.org/presentationml/2006/main">
+  <p:cSld>
+    <p:spTree>
+      <p:nvGrpSpPr>
+        <p:cNvPr id="1" name=""/>
+        <p:cNvGrpSpPr/>
+        <p:nvPr/>
+      </p:nvGrpSpPr>
+      <p:grpSpPr>
+        <a:xfrm>
+          <a:off x="0" y="0"/>
+          <a:ext cx="0" cy="0"/>
+          <a:chOff x="0" y="0"/>
+          <a:chExt cx="0" cy="0"/>
+        </a:xfrm>
+      </p:grpSpPr>
+      <p:pic>
+        <p:nvPicPr>
+          <p:cNvPr id="4" name="Picture 3"/>
+          <p:cNvPicPr>
+            <a:picLocks noChangeAspect="1"/>
+          </p:cNvPicPr>
+          <p:nvPr/>
+        </p:nvPicPr>
+        <p:blipFill>
+          <a:blip r:embed="rId2"/>
+          <a:stretch>
+            <a:fillRect/>
+          </a:stretch>
+        </p:blipFill>
+        <p:spPr>
+          <a:xfrm>
+            <a:off x="213513" y="1974129"/>
+            <a:ext cx="2400635" cy="2667372"/>
+          </a:xfrm>
+          <a:prstGeom prst="rect">
+            <a:avLst/>
+          </a:prstGeom>
+          <a:effectLst>
+            <a:glow rad="152400">
+              <a:schemeClr val="accent6">
+                <a:lumMod val="60000"/>
+                <a:lumOff val="40000"/>
+              </a:schemeClr>
+            </a:glow>
+          </a:effectLst>
+        </p:spPr>
+      </p:pic>
+      <p:pic>
+        <p:nvPicPr>
+          <p:cNvPr id="5" name="Picture 4"/>
+          <p:cNvPicPr>
+            <a:picLocks noChangeAspect="1"/>
+          </p:cNvPicPr>
+          <p:nvPr/>
+        </p:nvPicPr>
+        <p:blipFill>
+          <a:blip r:embed="rId3"/>
+          <a:stretch>
+            <a:fillRect/>
+          </a:stretch>
+        </p:blipFill>
+        <p:spPr>
+          <a:xfrm>
+            <a:off x="3249147" y="1774033"/>
+            <a:ext cx="2762636" cy="1009791"/>
+          </a:xfrm>
+          <a:prstGeom prst="rect">
+            <a:avLst/>
+          </a:prstGeom>
+          <a:effectLst>
+            <a:glow rad="152400">
+              <a:schemeClr val="accent6">
+                <a:lumMod val="60000"/>
+                <a:lumOff val="40000"/>
+              </a:schemeClr>
+            </a:glow>
+          </a:effectLst>
+        </p:spPr>
+      </p:pic>
+      <p:pic>
+        <p:nvPicPr>
+          <p:cNvPr id="7" name="Picture 6"/>
+          <p:cNvPicPr>
+            <a:picLocks noChangeAspect="1"/>
+          </p:cNvPicPr>
+          <p:nvPr/>
+        </p:nvPicPr>
+        <p:blipFill>
+          <a:blip r:embed="rId4"/>
+          <a:stretch>
+            <a:fillRect/>
+          </a:stretch>
+        </p:blipFill>
+        <p:spPr>
+          <a:xfrm>
+            <a:off x="3282490" y="2974393"/>
+            <a:ext cx="2695951" cy="1667108"/>
+          </a:xfrm>
+          <a:prstGeom prst="rect">
+            <a:avLst/>
+          </a:prstGeom>
+          <a:effectLst>
+            <a:glow rad="152400">
+              <a:schemeClr val="accent6">
+                <a:lumMod val="60000"/>
+                <a:lumOff val="40000"/>
+              </a:schemeClr>
+            </a:glow>
+          </a:effectLst>
+        </p:spPr>
+      </p:pic>
+    </p:spTree>
+    <p:extLst>
+      <p:ext uri="{BB962C8B-B14F-4D97-AF65-F5344CB8AC3E}">
+        <p14:creationId xmlns:p14="http://schemas.microsoft.com/office/powerpoint/2010/main" val="1654249855"/>
+      </p:ext>
+    </p:extLst>
+  </p:cSld>
+  <p:clrMapOvr>
+    <a:masterClrMapping/>
+  </p:clrMapOvr>
+</p:sld>
+</file>
+
+<file path=ppt/slides/slide3.xml><?xml version="1.0" encoding="utf-8"?>
+<p:sld xmlns:a="http://schemas.openxmlformats.org/drawingml/2006/main" xmlns:r="http://schemas.openxmlformats.org/officeDocument/2006/relationships" xmlns:p="http://schemas.openxmlformats.org/presentationml/2006/main">
+  <p:cSld>
+    <p:spTree>
+      <p:nvGrpSpPr>
+        <p:cNvPr id="1" name=""/>
+        <p:cNvGrpSpPr/>
+        <p:nvPr/>
+      </p:nvGrpSpPr>
+      <p:grpSpPr>
+        <a:xfrm>
+          <a:off x="0" y="0"/>
+          <a:ext cx="0" cy="0"/>
+          <a:chOff x="0" y="0"/>
+          <a:chExt cx="0" cy="0"/>
+        </a:xfrm>
+      </p:grpSpPr>
+      <p:pic>
+        <p:nvPicPr>
+          <p:cNvPr id="4" name="Picture 3"/>
+          <p:cNvPicPr>
+            <a:picLocks noChangeAspect="1"/>
+          </p:cNvPicPr>
+          <p:nvPr/>
+        </p:nvPicPr>
+        <p:blipFill>
+          <a:blip r:embed="rId2"/>
+          <a:stretch>
+            <a:fillRect/>
+          </a:stretch>
+        </p:blipFill>
+        <p:spPr>
+          <a:xfrm>
+            <a:off x="304800" y="274198"/>
+            <a:ext cx="11645900" cy="3154802"/>
+          </a:xfrm>
+          <a:prstGeom prst="rect">
+            <a:avLst/>
+          </a:prstGeom>
+          <a:effectLst>
+            <a:glow rad="152400">
+              <a:schemeClr val="accent6">
+                <a:lumMod val="60000"/>
+                <a:lumOff val="40000"/>
+              </a:schemeClr>
+            </a:glow>
+          </a:effectLst>
+        </p:spPr>
+      </p:pic>
+      <p:pic>
+        <p:nvPicPr>
+          <p:cNvPr id="8" name="Picture 7"/>
+          <p:cNvPicPr>
+            <a:picLocks noChangeAspect="1"/>
+          </p:cNvPicPr>
+          <p:nvPr/>
+        </p:nvPicPr>
+        <p:blipFill>
+          <a:blip r:embed="rId3"/>
+          <a:stretch>
+            <a:fillRect/>
+          </a:stretch>
+        </p:blipFill>
+        <p:spPr>
+          <a:xfrm>
+            <a:off x="304800" y="4379846"/>
+            <a:ext cx="11463856" cy="1297054"/>
+          </a:xfrm>
+          <a:prstGeom prst="rect">
+            <a:avLst/>
+          </a:prstGeom>
+          <a:effectLst>
+            <a:glow rad="152400">
+              <a:schemeClr val="accent6">
+                <a:lumMod val="60000"/>
+                <a:lumOff val="40000"/>
+              </a:schemeClr>
+            </a:glow>
+          </a:effectLst>
+        </p:spPr>
+      </p:pic>
+    </p:spTree>
+    <p:extLst>
+      <p:ext uri="{BB962C8B-B14F-4D97-AF65-F5344CB8AC3E}">
+        <p14:creationId xmlns:p14="http://schemas.microsoft.com/office/powerpoint/2010/main" val="1075144252"/>
+      </p:ext>
+    </p:extLst>
+  </p:cSld>
+  <p:clrMapOvr>
+    <a:masterClrMapping/>
+  </p:clrMapOvr>
+</p:sld>
+</file>
+
+<file path=ppt/slides/slide4.xml><?xml version="1.0" encoding="utf-8"?>
+<p:sld xmlns:a="http://schemas.openxmlformats.org/drawingml/2006/main" xmlns:r="http://schemas.openxmlformats.org/officeDocument/2006/relationships" xmlns:p="http://schemas.openxmlformats.org/presentationml/2006/main">
+  <p:cSld>
+    <p:spTree>
+      <p:nvGrpSpPr>
+        <p:cNvPr id="1" name=""/>
+        <p:cNvGrpSpPr/>
+        <p:nvPr/>
+      </p:nvGrpSpPr>
+      <p:grpSpPr>
+        <a:xfrm>
+          <a:off x="0" y="0"/>
+          <a:ext cx="0" cy="0"/>
+          <a:chOff x="0" y="0"/>
+          <a:chExt cx="0" cy="0"/>
+        </a:xfrm>
+      </p:grpSpPr>
+      <p:pic>
+        <p:nvPicPr>
+          <p:cNvPr id="6" name="Picture 5"/>
+          <p:cNvPicPr>
+            <a:picLocks noChangeAspect="1"/>
+          </p:cNvPicPr>
+          <p:nvPr/>
+        </p:nvPicPr>
+        <p:blipFill>
+          <a:blip r:embed="rId2"/>
+          <a:stretch>
+            <a:fillRect/>
+          </a:stretch>
+        </p:blipFill>
+        <p:spPr>
+          <a:xfrm>
+            <a:off x="1144414" y="596900"/>
+            <a:ext cx="7203100" cy="2870200"/>
+          </a:xfrm>
+          <a:prstGeom prst="rect">
+            <a:avLst/>
+          </a:prstGeom>
+          <a:effectLst>
+            <a:glow rad="152400">
+              <a:schemeClr val="accent6">
+                <a:lumMod val="60000"/>
+                <a:lumOff val="40000"/>
+              </a:schemeClr>
+            </a:glow>
+          </a:effectLst>
+        </p:spPr>
+      </p:pic>
+    </p:spTree>
+    <p:extLst>
+      <p:ext uri="{BB962C8B-B14F-4D97-AF65-F5344CB8AC3E}">
+        <p14:creationId xmlns:p14="http://schemas.microsoft.com/office/powerpoint/2010/main" val="1042352092"/>
+      </p:ext>
+    </p:extLst>
+  </p:cSld>
+  <p:clrMapOvr>
+    <a:masterClrMapping/>
+  </p:clrMapOvr>
+</p:sld>
+</file>
+
 <file path=ppt/theme/theme1.xml><?xml version="1.0" encoding="utf-8"?>
 <a:theme xmlns:a="http://schemas.openxmlformats.org/drawingml/2006/main" name="Office Theme">
   <a:themeElements>

--- a/Docs/Diagroms.pptx
+++ b/Docs/Diagroms.pptx
@@ -4,11 +4,16 @@
   <p:sldMasterIdLst>
     <p:sldMasterId id="2147483648" r:id="rId1"/>
   </p:sldMasterIdLst>
+  <p:notesMasterIdLst>
+    <p:notesMasterId r:id="rId8"/>
+  </p:notesMasterIdLst>
   <p:sldIdLst>
     <p:sldId id="256" r:id="rId2"/>
     <p:sldId id="257" r:id="rId3"/>
     <p:sldId id="258" r:id="rId4"/>
     <p:sldId id="259" r:id="rId5"/>
+    <p:sldId id="260" r:id="rId6"/>
+    <p:sldId id="261" r:id="rId7"/>
   </p:sldIdLst>
   <p:sldSz cx="12192000" cy="6858000"/>
   <p:notesSz cx="6858000" cy="9144000"/>
@@ -113,6 +118,440 @@
     </p:ext>
   </p:extLst>
 </p:presentation>
+</file>
+
+<file path=ppt/notesMasters/notesMaster1.xml><?xml version="1.0" encoding="utf-8"?>
+<p:notesMaster xmlns:a="http://schemas.openxmlformats.org/drawingml/2006/main" xmlns:r="http://schemas.openxmlformats.org/officeDocument/2006/relationships" xmlns:p="http://schemas.openxmlformats.org/presentationml/2006/main">
+  <p:cSld>
+    <p:bg>
+      <p:bgRef idx="1001">
+        <a:schemeClr val="bg1"/>
+      </p:bgRef>
+    </p:bg>
+    <p:spTree>
+      <p:nvGrpSpPr>
+        <p:cNvPr id="1" name=""/>
+        <p:cNvGrpSpPr/>
+        <p:nvPr/>
+      </p:nvGrpSpPr>
+      <p:grpSpPr>
+        <a:xfrm>
+          <a:off x="0" y="0"/>
+          <a:ext cx="0" cy="0"/>
+          <a:chOff x="0" y="0"/>
+          <a:chExt cx="0" cy="0"/>
+        </a:xfrm>
+      </p:grpSpPr>
+      <p:sp>
+        <p:nvSpPr>
+          <p:cNvPr id="2" name="Header Placeholder 1"/>
+          <p:cNvSpPr>
+            <a:spLocks noGrp="1"/>
+          </p:cNvSpPr>
+          <p:nvPr>
+            <p:ph type="hdr" sz="quarter"/>
+          </p:nvPr>
+        </p:nvSpPr>
+        <p:spPr>
+          <a:xfrm>
+            <a:off x="0" y="0"/>
+            <a:ext cx="2971800" cy="458788"/>
+          </a:xfrm>
+          <a:prstGeom prst="rect">
+            <a:avLst/>
+          </a:prstGeom>
+        </p:spPr>
+        <p:txBody>
+          <a:bodyPr vert="horz" lIns="91440" tIns="45720" rIns="91440" bIns="45720" rtlCol="0"/>
+          <a:lstStyle>
+            <a:lvl1pPr algn="l">
+              <a:defRPr sz="1200"/>
+            </a:lvl1pPr>
+          </a:lstStyle>
+          <a:p>
+            <a:endParaRPr lang="en-US"/>
+          </a:p>
+        </p:txBody>
+      </p:sp>
+      <p:sp>
+        <p:nvSpPr>
+          <p:cNvPr id="3" name="Date Placeholder 2"/>
+          <p:cNvSpPr>
+            <a:spLocks noGrp="1"/>
+          </p:cNvSpPr>
+          <p:nvPr>
+            <p:ph type="dt" idx="1"/>
+          </p:nvPr>
+        </p:nvSpPr>
+        <p:spPr>
+          <a:xfrm>
+            <a:off x="3884613" y="0"/>
+            <a:ext cx="2971800" cy="458788"/>
+          </a:xfrm>
+          <a:prstGeom prst="rect">
+            <a:avLst/>
+          </a:prstGeom>
+        </p:spPr>
+        <p:txBody>
+          <a:bodyPr vert="horz" lIns="91440" tIns="45720" rIns="91440" bIns="45720" rtlCol="0"/>
+          <a:lstStyle>
+            <a:lvl1pPr algn="r">
+              <a:defRPr sz="1200"/>
+            </a:lvl1pPr>
+          </a:lstStyle>
+          <a:p>
+            <a:fld id="{5A2C9B09-DC4B-436A-A320-EFC262C85657}" type="datetimeFigureOut">
+              <a:rPr lang="en-US" smtClean="0"/>
+              <a:t>11/5/2021</a:t>
+            </a:fld>
+            <a:endParaRPr lang="en-US"/>
+          </a:p>
+        </p:txBody>
+      </p:sp>
+      <p:sp>
+        <p:nvSpPr>
+          <p:cNvPr id="4" name="Slide Image Placeholder 3"/>
+          <p:cNvSpPr>
+            <a:spLocks noGrp="1" noRot="1" noChangeAspect="1"/>
+          </p:cNvSpPr>
+          <p:nvPr>
+            <p:ph type="sldImg" idx="2"/>
+          </p:nvPr>
+        </p:nvSpPr>
+        <p:spPr>
+          <a:xfrm>
+            <a:off x="685800" y="1143000"/>
+            <a:ext cx="5486400" cy="3086100"/>
+          </a:xfrm>
+          <a:prstGeom prst="rect">
+            <a:avLst/>
+          </a:prstGeom>
+          <a:noFill/>
+          <a:ln w="12700">
+            <a:solidFill>
+              <a:prstClr val="black"/>
+            </a:solidFill>
+          </a:ln>
+        </p:spPr>
+        <p:txBody>
+          <a:bodyPr vert="horz" lIns="91440" tIns="45720" rIns="91440" bIns="45720" rtlCol="0" anchor="ctr"/>
+          <a:lstStyle/>
+          <a:p>
+            <a:endParaRPr lang="en-US"/>
+          </a:p>
+        </p:txBody>
+      </p:sp>
+      <p:sp>
+        <p:nvSpPr>
+          <p:cNvPr id="5" name="Notes Placeholder 4"/>
+          <p:cNvSpPr>
+            <a:spLocks noGrp="1"/>
+          </p:cNvSpPr>
+          <p:nvPr>
+            <p:ph type="body" sz="quarter" idx="3"/>
+          </p:nvPr>
+        </p:nvSpPr>
+        <p:spPr>
+          <a:xfrm>
+            <a:off x="685800" y="4400550"/>
+            <a:ext cx="5486400" cy="3600450"/>
+          </a:xfrm>
+          <a:prstGeom prst="rect">
+            <a:avLst/>
+          </a:prstGeom>
+        </p:spPr>
+        <p:txBody>
+          <a:bodyPr vert="horz" lIns="91440" tIns="45720" rIns="91440" bIns="45720" rtlCol="0"/>
+          <a:lstStyle/>
+          <a:p>
+            <a:pPr lvl="0"/>
+            <a:r>
+              <a:rPr lang="en-US" smtClean="0"/>
+              <a:t>Click to edit Master text styles</a:t>
+            </a:r>
+          </a:p>
+          <a:p>
+            <a:pPr lvl="1"/>
+            <a:r>
+              <a:rPr lang="en-US" smtClean="0"/>
+              <a:t>Second level</a:t>
+            </a:r>
+          </a:p>
+          <a:p>
+            <a:pPr lvl="2"/>
+            <a:r>
+              <a:rPr lang="en-US" smtClean="0"/>
+              <a:t>Third level</a:t>
+            </a:r>
+          </a:p>
+          <a:p>
+            <a:pPr lvl="3"/>
+            <a:r>
+              <a:rPr lang="en-US" smtClean="0"/>
+              <a:t>Fourth level</a:t>
+            </a:r>
+          </a:p>
+          <a:p>
+            <a:pPr lvl="4"/>
+            <a:r>
+              <a:rPr lang="en-US" smtClean="0"/>
+              <a:t>Fifth level</a:t>
+            </a:r>
+            <a:endParaRPr lang="en-US"/>
+          </a:p>
+        </p:txBody>
+      </p:sp>
+      <p:sp>
+        <p:nvSpPr>
+          <p:cNvPr id="6" name="Footer Placeholder 5"/>
+          <p:cNvSpPr>
+            <a:spLocks noGrp="1"/>
+          </p:cNvSpPr>
+          <p:nvPr>
+            <p:ph type="ftr" sz="quarter" idx="4"/>
+          </p:nvPr>
+        </p:nvSpPr>
+        <p:spPr>
+          <a:xfrm>
+            <a:off x="0" y="8685213"/>
+            <a:ext cx="2971800" cy="458787"/>
+          </a:xfrm>
+          <a:prstGeom prst="rect">
+            <a:avLst/>
+          </a:prstGeom>
+        </p:spPr>
+        <p:txBody>
+          <a:bodyPr vert="horz" lIns="91440" tIns="45720" rIns="91440" bIns="45720" rtlCol="0" anchor="b"/>
+          <a:lstStyle>
+            <a:lvl1pPr algn="l">
+              <a:defRPr sz="1200"/>
+            </a:lvl1pPr>
+          </a:lstStyle>
+          <a:p>
+            <a:endParaRPr lang="en-US"/>
+          </a:p>
+        </p:txBody>
+      </p:sp>
+      <p:sp>
+        <p:nvSpPr>
+          <p:cNvPr id="7" name="Slide Number Placeholder 6"/>
+          <p:cNvSpPr>
+            <a:spLocks noGrp="1"/>
+          </p:cNvSpPr>
+          <p:nvPr>
+            <p:ph type="sldNum" sz="quarter" idx="5"/>
+          </p:nvPr>
+        </p:nvSpPr>
+        <p:spPr>
+          <a:xfrm>
+            <a:off x="3884613" y="8685213"/>
+            <a:ext cx="2971800" cy="458787"/>
+          </a:xfrm>
+          <a:prstGeom prst="rect">
+            <a:avLst/>
+          </a:prstGeom>
+        </p:spPr>
+        <p:txBody>
+          <a:bodyPr vert="horz" lIns="91440" tIns="45720" rIns="91440" bIns="45720" rtlCol="0" anchor="b"/>
+          <a:lstStyle>
+            <a:lvl1pPr algn="r">
+              <a:defRPr sz="1200"/>
+            </a:lvl1pPr>
+          </a:lstStyle>
+          <a:p>
+            <a:fld id="{0531F739-4FE7-4948-A0CF-4F4F9F5F38D6}" type="slidenum">
+              <a:rPr lang="en-US" smtClean="0"/>
+              <a:t>‹#›</a:t>
+            </a:fld>
+            <a:endParaRPr lang="en-US"/>
+          </a:p>
+        </p:txBody>
+      </p:sp>
+    </p:spTree>
+    <p:extLst>
+      <p:ext uri="{BB962C8B-B14F-4D97-AF65-F5344CB8AC3E}">
+        <p14:creationId xmlns:p14="http://schemas.microsoft.com/office/powerpoint/2010/main" val="628478472"/>
+      </p:ext>
+    </p:extLst>
+  </p:cSld>
+  <p:clrMap bg1="lt1" tx1="dk1" bg2="lt2" tx2="dk2" accent1="accent1" accent2="accent2" accent3="accent3" accent4="accent4" accent5="accent5" accent6="accent6" hlink="hlink" folHlink="folHlink"/>
+  <p:notesStyle>
+    <a:lvl1pPr marL="0" algn="l" defTabSz="914400" rtl="0" eaLnBrk="1" latinLnBrk="0" hangingPunct="1">
+      <a:defRPr sz="1200" kern="1200">
+        <a:solidFill>
+          <a:schemeClr val="tx1"/>
+        </a:solidFill>
+        <a:latin typeface="+mn-lt"/>
+        <a:ea typeface="+mn-ea"/>
+        <a:cs typeface="+mn-cs"/>
+      </a:defRPr>
+    </a:lvl1pPr>
+    <a:lvl2pPr marL="457200" algn="l" defTabSz="914400" rtl="0" eaLnBrk="1" latinLnBrk="0" hangingPunct="1">
+      <a:defRPr sz="1200" kern="1200">
+        <a:solidFill>
+          <a:schemeClr val="tx1"/>
+        </a:solidFill>
+        <a:latin typeface="+mn-lt"/>
+        <a:ea typeface="+mn-ea"/>
+        <a:cs typeface="+mn-cs"/>
+      </a:defRPr>
+    </a:lvl2pPr>
+    <a:lvl3pPr marL="914400" algn="l" defTabSz="914400" rtl="0" eaLnBrk="1" latinLnBrk="0" hangingPunct="1">
+      <a:defRPr sz="1200" kern="1200">
+        <a:solidFill>
+          <a:schemeClr val="tx1"/>
+        </a:solidFill>
+        <a:latin typeface="+mn-lt"/>
+        <a:ea typeface="+mn-ea"/>
+        <a:cs typeface="+mn-cs"/>
+      </a:defRPr>
+    </a:lvl3pPr>
+    <a:lvl4pPr marL="1371600" algn="l" defTabSz="914400" rtl="0" eaLnBrk="1" latinLnBrk="0" hangingPunct="1">
+      <a:defRPr sz="1200" kern="1200">
+        <a:solidFill>
+          <a:schemeClr val="tx1"/>
+        </a:solidFill>
+        <a:latin typeface="+mn-lt"/>
+        <a:ea typeface="+mn-ea"/>
+        <a:cs typeface="+mn-cs"/>
+      </a:defRPr>
+    </a:lvl4pPr>
+    <a:lvl5pPr marL="1828800" algn="l" defTabSz="914400" rtl="0" eaLnBrk="1" latinLnBrk="0" hangingPunct="1">
+      <a:defRPr sz="1200" kern="1200">
+        <a:solidFill>
+          <a:schemeClr val="tx1"/>
+        </a:solidFill>
+        <a:latin typeface="+mn-lt"/>
+        <a:ea typeface="+mn-ea"/>
+        <a:cs typeface="+mn-cs"/>
+      </a:defRPr>
+    </a:lvl5pPr>
+    <a:lvl6pPr marL="2286000" algn="l" defTabSz="914400" rtl="0" eaLnBrk="1" latinLnBrk="0" hangingPunct="1">
+      <a:defRPr sz="1200" kern="1200">
+        <a:solidFill>
+          <a:schemeClr val="tx1"/>
+        </a:solidFill>
+        <a:latin typeface="+mn-lt"/>
+        <a:ea typeface="+mn-ea"/>
+        <a:cs typeface="+mn-cs"/>
+      </a:defRPr>
+    </a:lvl6pPr>
+    <a:lvl7pPr marL="2743200" algn="l" defTabSz="914400" rtl="0" eaLnBrk="1" latinLnBrk="0" hangingPunct="1">
+      <a:defRPr sz="1200" kern="1200">
+        <a:solidFill>
+          <a:schemeClr val="tx1"/>
+        </a:solidFill>
+        <a:latin typeface="+mn-lt"/>
+        <a:ea typeface="+mn-ea"/>
+        <a:cs typeface="+mn-cs"/>
+      </a:defRPr>
+    </a:lvl7pPr>
+    <a:lvl8pPr marL="3200400" algn="l" defTabSz="914400" rtl="0" eaLnBrk="1" latinLnBrk="0" hangingPunct="1">
+      <a:defRPr sz="1200" kern="1200">
+        <a:solidFill>
+          <a:schemeClr val="tx1"/>
+        </a:solidFill>
+        <a:latin typeface="+mn-lt"/>
+        <a:ea typeface="+mn-ea"/>
+        <a:cs typeface="+mn-cs"/>
+      </a:defRPr>
+    </a:lvl8pPr>
+    <a:lvl9pPr marL="3657600" algn="l" defTabSz="914400" rtl="0" eaLnBrk="1" latinLnBrk="0" hangingPunct="1">
+      <a:defRPr sz="1200" kern="1200">
+        <a:solidFill>
+          <a:schemeClr val="tx1"/>
+        </a:solidFill>
+        <a:latin typeface="+mn-lt"/>
+        <a:ea typeface="+mn-ea"/>
+        <a:cs typeface="+mn-cs"/>
+      </a:defRPr>
+    </a:lvl9pPr>
+  </p:notesStyle>
+</p:notesMaster>
+</file>
+
+<file path=ppt/notesSlides/notesSlide1.xml><?xml version="1.0" encoding="utf-8"?>
+<p:notes xmlns:a="http://schemas.openxmlformats.org/drawingml/2006/main" xmlns:r="http://schemas.openxmlformats.org/officeDocument/2006/relationships" xmlns:p="http://schemas.openxmlformats.org/presentationml/2006/main">
+  <p:cSld>
+    <p:spTree>
+      <p:nvGrpSpPr>
+        <p:cNvPr id="1" name=""/>
+        <p:cNvGrpSpPr/>
+        <p:nvPr/>
+      </p:nvGrpSpPr>
+      <p:grpSpPr>
+        <a:xfrm>
+          <a:off x="0" y="0"/>
+          <a:ext cx="0" cy="0"/>
+          <a:chOff x="0" y="0"/>
+          <a:chExt cx="0" cy="0"/>
+        </a:xfrm>
+      </p:grpSpPr>
+      <p:sp>
+        <p:nvSpPr>
+          <p:cNvPr id="2" name="Slide Image Placeholder 1"/>
+          <p:cNvSpPr>
+            <a:spLocks noGrp="1" noRot="1" noChangeAspect="1"/>
+          </p:cNvSpPr>
+          <p:nvPr>
+            <p:ph type="sldImg"/>
+          </p:nvPr>
+        </p:nvSpPr>
+        <p:spPr/>
+      </p:sp>
+      <p:sp>
+        <p:nvSpPr>
+          <p:cNvPr id="3" name="Notes Placeholder 2"/>
+          <p:cNvSpPr>
+            <a:spLocks noGrp="1"/>
+          </p:cNvSpPr>
+          <p:nvPr>
+            <p:ph type="body" idx="1"/>
+          </p:nvPr>
+        </p:nvSpPr>
+        <p:spPr/>
+        <p:txBody>
+          <a:bodyPr/>
+          <a:lstStyle/>
+          <a:p>
+            <a:endParaRPr lang="en-US"/>
+          </a:p>
+        </p:txBody>
+      </p:sp>
+      <p:sp>
+        <p:nvSpPr>
+          <p:cNvPr id="4" name="Slide Number Placeholder 3"/>
+          <p:cNvSpPr>
+            <a:spLocks noGrp="1"/>
+          </p:cNvSpPr>
+          <p:nvPr>
+            <p:ph type="sldNum" sz="quarter" idx="10"/>
+          </p:nvPr>
+        </p:nvSpPr>
+        <p:spPr/>
+        <p:txBody>
+          <a:bodyPr/>
+          <a:lstStyle/>
+          <a:p>
+            <a:fld id="{0531F739-4FE7-4948-A0CF-4F4F9F5F38D6}" type="slidenum">
+              <a:rPr lang="en-US" smtClean="0"/>
+              <a:t>6</a:t>
+            </a:fld>
+            <a:endParaRPr lang="en-US"/>
+          </a:p>
+        </p:txBody>
+      </p:sp>
+    </p:spTree>
+    <p:extLst>
+      <p:ext uri="{BB962C8B-B14F-4D97-AF65-F5344CB8AC3E}">
+        <p14:creationId xmlns:p14="http://schemas.microsoft.com/office/powerpoint/2010/main" val="2120151491"/>
+      </p:ext>
+    </p:extLst>
+  </p:cSld>
+  <p:clrMapOvr>
+    <a:masterClrMapping/>
+  </p:clrMapOvr>
+</p:notes>
 </file>
 
 <file path=ppt/slideLayouts/slideLayout1.xml><?xml version="1.0" encoding="utf-8"?>
@@ -3562,6 +4001,473 @@
 </p:sld>
 </file>
 
+<file path=ppt/slides/slide5.xml><?xml version="1.0" encoding="utf-8"?>
+<p:sld xmlns:a="http://schemas.openxmlformats.org/drawingml/2006/main" xmlns:r="http://schemas.openxmlformats.org/officeDocument/2006/relationships" xmlns:p="http://schemas.openxmlformats.org/presentationml/2006/main">
+  <p:cSld>
+    <p:spTree>
+      <p:nvGrpSpPr>
+        <p:cNvPr id="1" name=""/>
+        <p:cNvGrpSpPr/>
+        <p:nvPr/>
+      </p:nvGrpSpPr>
+      <p:grpSpPr>
+        <a:xfrm>
+          <a:off x="0" y="0"/>
+          <a:ext cx="0" cy="0"/>
+          <a:chOff x="0" y="0"/>
+          <a:chExt cx="0" cy="0"/>
+        </a:xfrm>
+      </p:grpSpPr>
+      <p:pic>
+        <p:nvPicPr>
+          <p:cNvPr id="6" name="Picture 5"/>
+          <p:cNvPicPr>
+            <a:picLocks noChangeAspect="1"/>
+          </p:cNvPicPr>
+          <p:nvPr/>
+        </p:nvPicPr>
+        <p:blipFill>
+          <a:blip r:embed="rId2"/>
+          <a:stretch>
+            <a:fillRect/>
+          </a:stretch>
+        </p:blipFill>
+        <p:spPr>
+          <a:xfrm>
+            <a:off x="1144414" y="596900"/>
+            <a:ext cx="7203100" cy="2870200"/>
+          </a:xfrm>
+          <a:prstGeom prst="rect">
+            <a:avLst/>
+          </a:prstGeom>
+          <a:effectLst>
+            <a:glow rad="152400">
+              <a:schemeClr val="accent6">
+                <a:lumMod val="60000"/>
+                <a:lumOff val="40000"/>
+              </a:schemeClr>
+            </a:glow>
+          </a:effectLst>
+        </p:spPr>
+      </p:pic>
+      <p:pic>
+        <p:nvPicPr>
+          <p:cNvPr id="2" name="Picture 1"/>
+          <p:cNvPicPr>
+            <a:picLocks noChangeAspect="1"/>
+          </p:cNvPicPr>
+          <p:nvPr/>
+        </p:nvPicPr>
+        <p:blipFill>
+          <a:blip r:embed="rId3"/>
+          <a:stretch>
+            <a:fillRect/>
+          </a:stretch>
+        </p:blipFill>
+        <p:spPr>
+          <a:xfrm>
+            <a:off x="3203126" y="3736840"/>
+            <a:ext cx="8422529" cy="2524260"/>
+          </a:xfrm>
+          <a:prstGeom prst="rect">
+            <a:avLst/>
+          </a:prstGeom>
+          <a:effectLst>
+            <a:glow rad="152400">
+              <a:schemeClr val="accent6">
+                <a:lumMod val="60000"/>
+                <a:lumOff val="40000"/>
+              </a:schemeClr>
+            </a:glow>
+          </a:effectLst>
+        </p:spPr>
+      </p:pic>
+    </p:spTree>
+    <p:extLst>
+      <p:ext uri="{BB962C8B-B14F-4D97-AF65-F5344CB8AC3E}">
+        <p14:creationId xmlns:p14="http://schemas.microsoft.com/office/powerpoint/2010/main" val="2155516638"/>
+      </p:ext>
+    </p:extLst>
+  </p:cSld>
+  <p:clrMapOvr>
+    <a:masterClrMapping/>
+  </p:clrMapOvr>
+</p:sld>
+</file>
+
+<file path=ppt/slides/slide6.xml><?xml version="1.0" encoding="utf-8"?>
+<p:sld xmlns:a="http://schemas.openxmlformats.org/drawingml/2006/main" xmlns:r="http://schemas.openxmlformats.org/officeDocument/2006/relationships" xmlns:p="http://schemas.openxmlformats.org/presentationml/2006/main">
+  <p:cSld>
+    <p:spTree>
+      <p:nvGrpSpPr>
+        <p:cNvPr id="1" name=""/>
+        <p:cNvGrpSpPr/>
+        <p:nvPr/>
+      </p:nvGrpSpPr>
+      <p:grpSpPr>
+        <a:xfrm>
+          <a:off x="0" y="0"/>
+          <a:ext cx="0" cy="0"/>
+          <a:chOff x="0" y="0"/>
+          <a:chExt cx="0" cy="0"/>
+        </a:xfrm>
+      </p:grpSpPr>
+      <p:pic>
+        <p:nvPicPr>
+          <p:cNvPr id="3" name="Picture 2"/>
+          <p:cNvPicPr>
+            <a:picLocks noChangeAspect="1"/>
+          </p:cNvPicPr>
+          <p:nvPr/>
+        </p:nvPicPr>
+        <p:blipFill>
+          <a:blip r:embed="rId3"/>
+          <a:stretch>
+            <a:fillRect/>
+          </a:stretch>
+        </p:blipFill>
+        <p:spPr>
+          <a:xfrm>
+            <a:off x="180468" y="136148"/>
+            <a:ext cx="11020932" cy="6620252"/>
+          </a:xfrm>
+          <a:prstGeom prst="rect">
+            <a:avLst/>
+          </a:prstGeom>
+          <a:effectLst>
+            <a:glow rad="152400">
+              <a:schemeClr val="accent6">
+                <a:lumMod val="60000"/>
+                <a:lumOff val="40000"/>
+              </a:schemeClr>
+            </a:glow>
+          </a:effectLst>
+        </p:spPr>
+      </p:pic>
+      <p:sp>
+        <p:nvSpPr>
+          <p:cNvPr id="4" name="TextBox 3"/>
+          <p:cNvSpPr txBox="1"/>
+          <p:nvPr/>
+        </p:nvSpPr>
+        <p:spPr>
+          <a:xfrm>
+            <a:off x="7162800" y="469900"/>
+            <a:ext cx="5994400" cy="584775"/>
+          </a:xfrm>
+          <a:prstGeom prst="rect">
+            <a:avLst/>
+          </a:prstGeom>
+          <a:noFill/>
+        </p:spPr>
+        <p:txBody>
+          <a:bodyPr wrap="square" rtlCol="0">
+            <a:spAutoFit/>
+          </a:bodyPr>
+          <a:lstStyle/>
+          <a:p>
+            <a:r>
+              <a:rPr lang="en-US" sz="1600" smtClean="0">
+                <a:solidFill>
+                  <a:srgbClr val="0000FF"/>
+                </a:solidFill>
+              </a:rPr>
+              <a:t>Compile till Feature2.py, i.e. </a:t>
+            </a:r>
+          </a:p>
+          <a:p>
+            <a:r>
+              <a:rPr lang="en-US" sz="1600" smtClean="0">
+                <a:solidFill>
+                  <a:srgbClr val="0000FF"/>
+                </a:solidFill>
+              </a:rPr>
+              <a:t>All Three levels down from Source Directory </a:t>
+            </a:r>
+            <a:endParaRPr lang="en-US" sz="1600">
+              <a:solidFill>
+                <a:srgbClr val="0000FF"/>
+              </a:solidFill>
+            </a:endParaRPr>
+          </a:p>
+        </p:txBody>
+      </p:sp>
+      <p:sp>
+        <p:nvSpPr>
+          <p:cNvPr id="7" name="TextBox 6"/>
+          <p:cNvSpPr txBox="1"/>
+          <p:nvPr/>
+        </p:nvSpPr>
+        <p:spPr>
+          <a:xfrm>
+            <a:off x="8369300" y="1477327"/>
+            <a:ext cx="5994400" cy="338554"/>
+          </a:xfrm>
+          <a:prstGeom prst="rect">
+            <a:avLst/>
+          </a:prstGeom>
+          <a:noFill/>
+        </p:spPr>
+        <p:txBody>
+          <a:bodyPr wrap="square" rtlCol="0">
+            <a:spAutoFit/>
+          </a:bodyPr>
+          <a:lstStyle/>
+          <a:p>
+            <a:r>
+              <a:rPr lang="en-US" sz="1600" smtClean="0">
+                <a:solidFill>
+                  <a:srgbClr val="0000FF"/>
+                </a:solidFill>
+              </a:rPr>
+              <a:t>Entry Point. i.e Main() in Main.py</a:t>
+            </a:r>
+            <a:endParaRPr lang="en-US" sz="1600">
+              <a:solidFill>
+                <a:srgbClr val="0000FF"/>
+              </a:solidFill>
+            </a:endParaRPr>
+          </a:p>
+        </p:txBody>
+      </p:sp>
+      <p:sp>
+        <p:nvSpPr>
+          <p:cNvPr id="8" name="TextBox 7"/>
+          <p:cNvSpPr txBox="1"/>
+          <p:nvPr/>
+        </p:nvSpPr>
+        <p:spPr>
+          <a:xfrm>
+            <a:off x="6362700" y="3036857"/>
+            <a:ext cx="3251200" cy="338554"/>
+          </a:xfrm>
+          <a:prstGeom prst="rect">
+            <a:avLst/>
+          </a:prstGeom>
+          <a:noFill/>
+        </p:spPr>
+        <p:txBody>
+          <a:bodyPr wrap="square" rtlCol="0">
+            <a:spAutoFit/>
+          </a:bodyPr>
+          <a:lstStyle/>
+          <a:p>
+            <a:r>
+              <a:rPr lang="en-US" sz="1600" smtClean="0">
+                <a:solidFill>
+                  <a:srgbClr val="0000FF"/>
+                </a:solidFill>
+              </a:rPr>
+              <a:t>Copy and rename a Single ‘pptx’ File</a:t>
+            </a:r>
+            <a:endParaRPr lang="en-US" sz="1600">
+              <a:solidFill>
+                <a:srgbClr val="0000FF"/>
+              </a:solidFill>
+            </a:endParaRPr>
+          </a:p>
+        </p:txBody>
+      </p:sp>
+      <p:sp>
+        <p:nvSpPr>
+          <p:cNvPr id="9" name="TextBox 8"/>
+          <p:cNvSpPr txBox="1"/>
+          <p:nvPr/>
+        </p:nvSpPr>
+        <p:spPr>
+          <a:xfrm>
+            <a:off x="2146300" y="2565350"/>
+            <a:ext cx="4216400" cy="338554"/>
+          </a:xfrm>
+          <a:prstGeom prst="rect">
+            <a:avLst/>
+          </a:prstGeom>
+          <a:noFill/>
+        </p:spPr>
+        <p:txBody>
+          <a:bodyPr wrap="square" rtlCol="0">
+            <a:spAutoFit/>
+          </a:bodyPr>
+          <a:lstStyle/>
+          <a:p>
+            <a:r>
+              <a:rPr lang="en-US" sz="1600" smtClean="0">
+                <a:solidFill>
+                  <a:srgbClr val="0000FF"/>
+                </a:solidFill>
+              </a:rPr>
+              <a:t>Copy entire ‘Docs’  to a different BUILD folder</a:t>
+            </a:r>
+            <a:endParaRPr lang="en-US" sz="1600">
+              <a:solidFill>
+                <a:srgbClr val="0000FF"/>
+              </a:solidFill>
+            </a:endParaRPr>
+          </a:p>
+        </p:txBody>
+      </p:sp>
+      <p:sp>
+        <p:nvSpPr>
+          <p:cNvPr id="10" name="TextBox 9"/>
+          <p:cNvSpPr txBox="1"/>
+          <p:nvPr/>
+        </p:nvSpPr>
+        <p:spPr>
+          <a:xfrm>
+            <a:off x="8528050" y="3633038"/>
+            <a:ext cx="2781300" cy="584775"/>
+          </a:xfrm>
+          <a:prstGeom prst="rect">
+            <a:avLst/>
+          </a:prstGeom>
+          <a:noFill/>
+        </p:spPr>
+        <p:txBody>
+          <a:bodyPr wrap="square" rtlCol="0">
+            <a:spAutoFit/>
+          </a:bodyPr>
+          <a:lstStyle/>
+          <a:p>
+            <a:r>
+              <a:rPr lang="en-US" sz="1600" smtClean="0">
+                <a:solidFill>
+                  <a:srgbClr val="0000FF"/>
+                </a:solidFill>
+              </a:rPr>
+              <a:t>Will rename </a:t>
+            </a:r>
+            <a:endParaRPr lang="en-US" sz="1600">
+              <a:solidFill>
+                <a:srgbClr val="0000FF"/>
+              </a:solidFill>
+            </a:endParaRPr>
+          </a:p>
+          <a:p>
+            <a:r>
+              <a:rPr lang="en-US" sz="1600" smtClean="0">
+                <a:solidFill>
+                  <a:srgbClr val="0000FF"/>
+                </a:solidFill>
+              </a:rPr>
+              <a:t>File.cpython-37.pyc to File.pyc</a:t>
+            </a:r>
+            <a:endParaRPr lang="en-US" sz="1600">
+              <a:solidFill>
+                <a:srgbClr val="0000FF"/>
+              </a:solidFill>
+            </a:endParaRPr>
+          </a:p>
+        </p:txBody>
+      </p:sp>
+      <p:sp>
+        <p:nvSpPr>
+          <p:cNvPr id="11" name="TextBox 10"/>
+          <p:cNvSpPr txBox="1"/>
+          <p:nvPr/>
+        </p:nvSpPr>
+        <p:spPr>
+          <a:xfrm>
+            <a:off x="5588000" y="4185472"/>
+            <a:ext cx="5397500" cy="830997"/>
+          </a:xfrm>
+          <a:prstGeom prst="rect">
+            <a:avLst/>
+          </a:prstGeom>
+          <a:noFill/>
+        </p:spPr>
+        <p:txBody>
+          <a:bodyPr wrap="square" rtlCol="0">
+            <a:spAutoFit/>
+          </a:bodyPr>
+          <a:lstStyle/>
+          <a:p>
+            <a:r>
+              <a:rPr lang="en-US" sz="1600" smtClean="0">
+                <a:solidFill>
+                  <a:srgbClr val="0000FF"/>
+                </a:solidFill>
+              </a:rPr>
+              <a:t>For Debugging Purpose.</a:t>
+            </a:r>
+          </a:p>
+          <a:p>
+            <a:r>
+              <a:rPr lang="en-US" sz="1600" smtClean="0">
+                <a:solidFill>
+                  <a:srgbClr val="0000FF"/>
+                </a:solidFill>
+              </a:rPr>
+              <a:t>Will retain the temporary OBJ folder</a:t>
+            </a:r>
+          </a:p>
+          <a:p>
+            <a:r>
+              <a:rPr lang="en-US" sz="1600" smtClean="0">
+                <a:solidFill>
+                  <a:srgbClr val="0000FF"/>
+                </a:solidFill>
+              </a:rPr>
+              <a:t>after build for inspection</a:t>
+            </a:r>
+            <a:endParaRPr lang="en-US" sz="1600">
+              <a:solidFill>
+                <a:srgbClr val="0000FF"/>
+              </a:solidFill>
+            </a:endParaRPr>
+          </a:p>
+        </p:txBody>
+      </p:sp>
+      <p:sp>
+        <p:nvSpPr>
+          <p:cNvPr id="12" name="TextBox 11"/>
+          <p:cNvSpPr txBox="1"/>
+          <p:nvPr/>
+        </p:nvSpPr>
+        <p:spPr>
+          <a:xfrm>
+            <a:off x="8578850" y="2140722"/>
+            <a:ext cx="5994400" cy="338554"/>
+          </a:xfrm>
+          <a:prstGeom prst="rect">
+            <a:avLst/>
+          </a:prstGeom>
+          <a:noFill/>
+        </p:spPr>
+        <p:txBody>
+          <a:bodyPr wrap="square" rtlCol="0">
+            <a:spAutoFit/>
+          </a:bodyPr>
+          <a:lstStyle/>
+          <a:p>
+            <a:r>
+              <a:rPr lang="en-US" sz="1600" smtClean="0">
+                <a:solidFill>
+                  <a:srgbClr val="0000FF"/>
+                </a:solidFill>
+              </a:rPr>
+              <a:t>Copy ‘RunApp.sh’ to BLD_DIR</a:t>
+            </a:r>
+            <a:endParaRPr lang="en-US" sz="1600">
+              <a:solidFill>
+                <a:srgbClr val="0000FF"/>
+              </a:solidFill>
+            </a:endParaRPr>
+          </a:p>
+        </p:txBody>
+      </p:sp>
+    </p:spTree>
+    <p:extLst>
+      <p:ext uri="{BB962C8B-B14F-4D97-AF65-F5344CB8AC3E}">
+        <p14:creationId xmlns:p14="http://schemas.microsoft.com/office/powerpoint/2010/main" val="3130330671"/>
+      </p:ext>
+    </p:extLst>
+  </p:cSld>
+  <p:clrMapOvr>
+    <a:masterClrMapping/>
+  </p:clrMapOvr>
+</p:sld>
+</file>
+
 <file path=ppt/theme/theme1.xml><?xml version="1.0" encoding="utf-8"?>
 <a:theme xmlns:a="http://schemas.openxmlformats.org/drawingml/2006/main" name="Office Theme">
   <a:themeElements>
@@ -3821,4 +4727,265 @@
     </a:ext>
   </a:extLst>
 </a:theme>
+</file>
+
+<file path=ppt/theme/theme2.xml><?xml version="1.0" encoding="utf-8"?>
+<a:theme xmlns:a="http://schemas.openxmlformats.org/drawingml/2006/main" name="Office Theme">
+  <a:themeElements>
+    <a:clrScheme name="Office">
+      <a:dk1>
+        <a:sysClr val="windowText" lastClr="000000"/>
+      </a:dk1>
+      <a:lt1>
+        <a:sysClr val="window" lastClr="FFFFFF"/>
+      </a:lt1>
+      <a:dk2>
+        <a:srgbClr val="44546A"/>
+      </a:dk2>
+      <a:lt2>
+        <a:srgbClr val="E7E6E6"/>
+      </a:lt2>
+      <a:accent1>
+        <a:srgbClr val="5B9BD5"/>
+      </a:accent1>
+      <a:accent2>
+        <a:srgbClr val="ED7D31"/>
+      </a:accent2>
+      <a:accent3>
+        <a:srgbClr val="A5A5A5"/>
+      </a:accent3>
+      <a:accent4>
+        <a:srgbClr val="FFC000"/>
+      </a:accent4>
+      <a:accent5>
+        <a:srgbClr val="4472C4"/>
+      </a:accent5>
+      <a:accent6>
+        <a:srgbClr val="70AD47"/>
+      </a:accent6>
+      <a:hlink>
+        <a:srgbClr val="0563C1"/>
+      </a:hlink>
+      <a:folHlink>
+        <a:srgbClr val="954F72"/>
+      </a:folHlink>
+    </a:clrScheme>
+    <a:fontScheme name="Office">
+      <a:majorFont>
+        <a:latin typeface="Calibri Light" panose="020F0302020204030204"/>
+        <a:ea typeface=""/>
+        <a:cs typeface=""/>
+        <a:font script="Jpan" typeface="ＭＳ Ｐゴシック"/>
+        <a:font script="Hang" typeface="맑은 고딕"/>
+        <a:font script="Hans" typeface="宋体"/>
+        <a:font script="Hant" typeface="新細明體"/>
+        <a:font script="Arab" typeface="Times New Roman"/>
+        <a:font script="Hebr" typeface="Times New Roman"/>
+        <a:font script="Thai" typeface="Angsana New"/>
+        <a:font script="Ethi" typeface="Nyala"/>
+        <a:font script="Beng" typeface="Vrinda"/>
+        <a:font script="Gujr" typeface="Shruti"/>
+        <a:font script="Khmr" typeface="MoolBoran"/>
+        <a:font script="Knda" typeface="Tunga"/>
+        <a:font script="Guru" typeface="Raavi"/>
+        <a:font script="Cans" typeface="Euphemia"/>
+        <a:font script="Cher" typeface="Plantagenet Cherokee"/>
+        <a:font script="Yiii" typeface="Microsoft Yi Baiti"/>
+        <a:font script="Tibt" typeface="Microsoft Himalaya"/>
+        <a:font script="Thaa" typeface="MV Boli"/>
+        <a:font script="Deva" typeface="Mangal"/>
+        <a:font script="Telu" typeface="Gautami"/>
+        <a:font script="Taml" typeface="Latha"/>
+        <a:font script="Syrc" typeface="Estrangelo Edessa"/>
+        <a:font script="Orya" typeface="Kalinga"/>
+        <a:font script="Mlym" typeface="Kartika"/>
+        <a:font script="Laoo" typeface="DokChampa"/>
+        <a:font script="Sinh" typeface="Iskoola Pota"/>
+        <a:font script="Mong" typeface="Mongolian Baiti"/>
+        <a:font script="Viet" typeface="Times New Roman"/>
+        <a:font script="Uigh" typeface="Microsoft Uighur"/>
+        <a:font script="Geor" typeface="Sylfaen"/>
+      </a:majorFont>
+      <a:minorFont>
+        <a:latin typeface="Calibri" panose="020F0502020204030204"/>
+        <a:ea typeface=""/>
+        <a:cs typeface=""/>
+        <a:font script="Jpan" typeface="ＭＳ Ｐゴシック"/>
+        <a:font script="Hang" typeface="맑은 고딕"/>
+        <a:font script="Hans" typeface="宋体"/>
+        <a:font script="Hant" typeface="新細明體"/>
+        <a:font script="Arab" typeface="Arial"/>
+        <a:font script="Hebr" typeface="Arial"/>
+        <a:font script="Thai" typeface="Cordia New"/>
+        <a:font script="Ethi" typeface="Nyala"/>
+        <a:font script="Beng" typeface="Vrinda"/>
+        <a:font script="Gujr" typeface="Shruti"/>
+        <a:font script="Khmr" typeface="DaunPenh"/>
+        <a:font script="Knda" typeface="Tunga"/>
+        <a:font script="Guru" typeface="Raavi"/>
+        <a:font script="Cans" typeface="Euphemia"/>
+        <a:font script="Cher" typeface="Plantagenet Cherokee"/>
+        <a:font script="Yiii" typeface="Microsoft Yi Baiti"/>
+        <a:font script="Tibt" typeface="Microsoft Himalaya"/>
+        <a:font script="Thaa" typeface="MV Boli"/>
+        <a:font script="Deva" typeface="Mangal"/>
+        <a:font script="Telu" typeface="Gautami"/>
+        <a:font script="Taml" typeface="Latha"/>
+        <a:font script="Syrc" typeface="Estrangelo Edessa"/>
+        <a:font script="Orya" typeface="Kalinga"/>
+        <a:font script="Mlym" typeface="Kartika"/>
+        <a:font script="Laoo" typeface="DokChampa"/>
+        <a:font script="Sinh" typeface="Iskoola Pota"/>
+        <a:font script="Mong" typeface="Mongolian Baiti"/>
+        <a:font script="Viet" typeface="Arial"/>
+        <a:font script="Uigh" typeface="Microsoft Uighur"/>
+        <a:font script="Geor" typeface="Sylfaen"/>
+      </a:minorFont>
+    </a:fontScheme>
+    <a:fmtScheme name="Office">
+      <a:fillStyleLst>
+        <a:solidFill>
+          <a:schemeClr val="phClr"/>
+        </a:solidFill>
+        <a:gradFill rotWithShape="1">
+          <a:gsLst>
+            <a:gs pos="0">
+              <a:schemeClr val="phClr">
+                <a:lumMod val="110000"/>
+                <a:satMod val="105000"/>
+                <a:tint val="67000"/>
+              </a:schemeClr>
+            </a:gs>
+            <a:gs pos="50000">
+              <a:schemeClr val="phClr">
+                <a:lumMod val="105000"/>
+                <a:satMod val="103000"/>
+                <a:tint val="73000"/>
+              </a:schemeClr>
+            </a:gs>
+            <a:gs pos="100000">
+              <a:schemeClr val="phClr">
+                <a:lumMod val="105000"/>
+                <a:satMod val="109000"/>
+                <a:tint val="81000"/>
+              </a:schemeClr>
+            </a:gs>
+          </a:gsLst>
+          <a:lin ang="5400000" scaled="0"/>
+        </a:gradFill>
+        <a:gradFill rotWithShape="1">
+          <a:gsLst>
+            <a:gs pos="0">
+              <a:schemeClr val="phClr">
+                <a:satMod val="103000"/>
+                <a:lumMod val="102000"/>
+                <a:tint val="94000"/>
+              </a:schemeClr>
+            </a:gs>
+            <a:gs pos="50000">
+              <a:schemeClr val="phClr">
+                <a:satMod val="110000"/>
+                <a:lumMod val="100000"/>
+                <a:shade val="100000"/>
+              </a:schemeClr>
+            </a:gs>
+            <a:gs pos="100000">
+              <a:schemeClr val="phClr">
+                <a:lumMod val="99000"/>
+                <a:satMod val="120000"/>
+                <a:shade val="78000"/>
+              </a:schemeClr>
+            </a:gs>
+          </a:gsLst>
+          <a:lin ang="5400000" scaled="0"/>
+        </a:gradFill>
+      </a:fillStyleLst>
+      <a:lnStyleLst>
+        <a:ln w="6350" cap="flat" cmpd="sng" algn="ctr">
+          <a:solidFill>
+            <a:schemeClr val="phClr"/>
+          </a:solidFill>
+          <a:prstDash val="solid"/>
+          <a:miter lim="800000"/>
+        </a:ln>
+        <a:ln w="12700" cap="flat" cmpd="sng" algn="ctr">
+          <a:solidFill>
+            <a:schemeClr val="phClr"/>
+          </a:solidFill>
+          <a:prstDash val="solid"/>
+          <a:miter lim="800000"/>
+        </a:ln>
+        <a:ln w="19050" cap="flat" cmpd="sng" algn="ctr">
+          <a:solidFill>
+            <a:schemeClr val="phClr"/>
+          </a:solidFill>
+          <a:prstDash val="solid"/>
+          <a:miter lim="800000"/>
+        </a:ln>
+      </a:lnStyleLst>
+      <a:effectStyleLst>
+        <a:effectStyle>
+          <a:effectLst/>
+        </a:effectStyle>
+        <a:effectStyle>
+          <a:effectLst/>
+        </a:effectStyle>
+        <a:effectStyle>
+          <a:effectLst>
+            <a:outerShdw blurRad="57150" dist="19050" dir="5400000" algn="ctr" rotWithShape="0">
+              <a:srgbClr val="000000">
+                <a:alpha val="63000"/>
+              </a:srgbClr>
+            </a:outerShdw>
+          </a:effectLst>
+        </a:effectStyle>
+      </a:effectStyleLst>
+      <a:bgFillStyleLst>
+        <a:solidFill>
+          <a:schemeClr val="phClr"/>
+        </a:solidFill>
+        <a:solidFill>
+          <a:schemeClr val="phClr">
+            <a:tint val="95000"/>
+            <a:satMod val="170000"/>
+          </a:schemeClr>
+        </a:solidFill>
+        <a:gradFill rotWithShape="1">
+          <a:gsLst>
+            <a:gs pos="0">
+              <a:schemeClr val="phClr">
+                <a:tint val="93000"/>
+                <a:satMod val="150000"/>
+                <a:shade val="98000"/>
+                <a:lumMod val="102000"/>
+              </a:schemeClr>
+            </a:gs>
+            <a:gs pos="50000">
+              <a:schemeClr val="phClr">
+                <a:tint val="98000"/>
+                <a:satMod val="130000"/>
+                <a:shade val="90000"/>
+                <a:lumMod val="103000"/>
+              </a:schemeClr>
+            </a:gs>
+            <a:gs pos="100000">
+              <a:schemeClr val="phClr">
+                <a:shade val="63000"/>
+                <a:satMod val="120000"/>
+              </a:schemeClr>
+            </a:gs>
+          </a:gsLst>
+          <a:lin ang="5400000" scaled="0"/>
+        </a:gradFill>
+      </a:bgFillStyleLst>
+    </a:fmtScheme>
+  </a:themeElements>
+  <a:objectDefaults/>
+  <a:extraClrSchemeLst/>
+  <a:extLst>
+    <a:ext uri="{05A4C25C-085E-4340-85A3-A5531E510DB2}">
+      <thm15:themeFamily xmlns:thm15="http://schemas.microsoft.com/office/thememl/2012/main" name="Office Theme" id="{62F939B6-93AF-4DB8-9C6B-D6C7DFDC589F}" vid="{4A3C46E8-61CC-4603-A589-7422A47A8E4A}"/>
+    </a:ext>
+  </a:extLst>
+</a:theme>
 </file>
--- a/Docs/Diagroms.pptx
+++ b/Docs/Diagroms.pptx
@@ -202,7 +202,7 @@
           <a:p>
             <a:fld id="{5A2C9B09-DC4B-436A-A320-EFC262C85657}" type="datetimeFigureOut">
               <a:rPr lang="en-US" smtClean="0"/>
-              <a:t>11/5/2021</a:t>
+              <a:t>11/8/2021</a:t>
             </a:fld>
             <a:endParaRPr lang="en-US"/>
           </a:p>
@@ -685,7 +685,7 @@
           <a:p>
             <a:fld id="{8007FAF1-9C13-4905-84E4-2535DA1645F1}" type="datetimeFigureOut">
               <a:rPr lang="en-US" smtClean="0"/>
-              <a:t>11/5/2021</a:t>
+              <a:t>11/8/2021</a:t>
             </a:fld>
             <a:endParaRPr lang="en-US"/>
           </a:p>
@@ -855,7 +855,7 @@
           <a:p>
             <a:fld id="{8007FAF1-9C13-4905-84E4-2535DA1645F1}" type="datetimeFigureOut">
               <a:rPr lang="en-US" smtClean="0"/>
-              <a:t>11/5/2021</a:t>
+              <a:t>11/8/2021</a:t>
             </a:fld>
             <a:endParaRPr lang="en-US"/>
           </a:p>
@@ -1035,7 +1035,7 @@
           <a:p>
             <a:fld id="{8007FAF1-9C13-4905-84E4-2535DA1645F1}" type="datetimeFigureOut">
               <a:rPr lang="en-US" smtClean="0"/>
-              <a:t>11/5/2021</a:t>
+              <a:t>11/8/2021</a:t>
             </a:fld>
             <a:endParaRPr lang="en-US"/>
           </a:p>
@@ -1205,7 +1205,7 @@
           <a:p>
             <a:fld id="{8007FAF1-9C13-4905-84E4-2535DA1645F1}" type="datetimeFigureOut">
               <a:rPr lang="en-US" smtClean="0"/>
-              <a:t>11/5/2021</a:t>
+              <a:t>11/8/2021</a:t>
             </a:fld>
             <a:endParaRPr lang="en-US"/>
           </a:p>
@@ -1451,7 +1451,7 @@
           <a:p>
             <a:fld id="{8007FAF1-9C13-4905-84E4-2535DA1645F1}" type="datetimeFigureOut">
               <a:rPr lang="en-US" smtClean="0"/>
-              <a:t>11/5/2021</a:t>
+              <a:t>11/8/2021</a:t>
             </a:fld>
             <a:endParaRPr lang="en-US"/>
           </a:p>
@@ -1683,7 +1683,7 @@
           <a:p>
             <a:fld id="{8007FAF1-9C13-4905-84E4-2535DA1645F1}" type="datetimeFigureOut">
               <a:rPr lang="en-US" smtClean="0"/>
-              <a:t>11/5/2021</a:t>
+              <a:t>11/8/2021</a:t>
             </a:fld>
             <a:endParaRPr lang="en-US"/>
           </a:p>
@@ -2050,7 +2050,7 @@
           <a:p>
             <a:fld id="{8007FAF1-9C13-4905-84E4-2535DA1645F1}" type="datetimeFigureOut">
               <a:rPr lang="en-US" smtClean="0"/>
-              <a:t>11/5/2021</a:t>
+              <a:t>11/8/2021</a:t>
             </a:fld>
             <a:endParaRPr lang="en-US"/>
           </a:p>
@@ -2168,7 +2168,7 @@
           <a:p>
             <a:fld id="{8007FAF1-9C13-4905-84E4-2535DA1645F1}" type="datetimeFigureOut">
               <a:rPr lang="en-US" smtClean="0"/>
-              <a:t>11/5/2021</a:t>
+              <a:t>11/8/2021</a:t>
             </a:fld>
             <a:endParaRPr lang="en-US"/>
           </a:p>
@@ -2263,7 +2263,7 @@
           <a:p>
             <a:fld id="{8007FAF1-9C13-4905-84E4-2535DA1645F1}" type="datetimeFigureOut">
               <a:rPr lang="en-US" smtClean="0"/>
-              <a:t>11/5/2021</a:t>
+              <a:t>11/8/2021</a:t>
             </a:fld>
             <a:endParaRPr lang="en-US"/>
           </a:p>
@@ -2540,7 +2540,7 @@
           <a:p>
             <a:fld id="{8007FAF1-9C13-4905-84E4-2535DA1645F1}" type="datetimeFigureOut">
               <a:rPr lang="en-US" smtClean="0"/>
-              <a:t>11/5/2021</a:t>
+              <a:t>11/8/2021</a:t>
             </a:fld>
             <a:endParaRPr lang="en-US"/>
           </a:p>
@@ -2793,7 +2793,7 @@
           <a:p>
             <a:fld id="{8007FAF1-9C13-4905-84E4-2535DA1645F1}" type="datetimeFigureOut">
               <a:rPr lang="en-US" smtClean="0"/>
-              <a:t>11/5/2021</a:t>
+              <a:t>11/8/2021</a:t>
             </a:fld>
             <a:endParaRPr lang="en-US"/>
           </a:p>
@@ -3006,7 +3006,7 @@
           <a:p>
             <a:fld id="{8007FAF1-9C13-4905-84E4-2535DA1645F1}" type="datetimeFigureOut">
               <a:rPr lang="en-US" smtClean="0"/>
-              <a:t>11/5/2021</a:t>
+              <a:t>11/8/2021</a:t>
             </a:fld>
             <a:endParaRPr lang="en-US"/>
           </a:p>
@@ -3706,7 +3706,7 @@
       </p:grpSpPr>
       <p:pic>
         <p:nvPicPr>
-          <p:cNvPr id="4" name="Picture 3"/>
+          <p:cNvPr id="7" name="Picture 6"/>
           <p:cNvPicPr>
             <a:picLocks noChangeAspect="1"/>
           </p:cNvPicPr>
@@ -3720,8 +3720,8 @@
         </p:blipFill>
         <p:spPr>
           <a:xfrm>
-            <a:off x="213513" y="1974129"/>
-            <a:ext cx="2400635" cy="2667372"/>
+            <a:off x="3282490" y="2974393"/>
+            <a:ext cx="2695951" cy="1667108"/>
           </a:xfrm>
           <a:prstGeom prst="rect">
             <a:avLst/>
@@ -3738,7 +3738,7 @@
       </p:pic>
       <p:pic>
         <p:nvPicPr>
-          <p:cNvPr id="5" name="Picture 4"/>
+          <p:cNvPr id="2" name="Picture 1"/>
           <p:cNvPicPr>
             <a:picLocks noChangeAspect="1"/>
           </p:cNvPicPr>
@@ -3752,8 +3752,8 @@
         </p:blipFill>
         <p:spPr>
           <a:xfrm>
-            <a:off x="3249147" y="1774033"/>
-            <a:ext cx="2762636" cy="1009791"/>
+            <a:off x="228711" y="1774033"/>
+            <a:ext cx="2656920" cy="2867468"/>
           </a:xfrm>
           <a:prstGeom prst="rect">
             <a:avLst/>
@@ -3770,7 +3770,7 @@
       </p:pic>
       <p:pic>
         <p:nvPicPr>
-          <p:cNvPr id="7" name="Picture 6"/>
+          <p:cNvPr id="6" name="Picture 5"/>
           <p:cNvPicPr>
             <a:picLocks noChangeAspect="1"/>
           </p:cNvPicPr>
@@ -3784,8 +3784,8 @@
         </p:blipFill>
         <p:spPr>
           <a:xfrm>
-            <a:off x="3282490" y="2974393"/>
-            <a:ext cx="2695951" cy="1667108"/>
+            <a:off x="3282490" y="1774033"/>
+            <a:ext cx="3390900" cy="1076325"/>
           </a:xfrm>
           <a:prstGeom prst="rect">
             <a:avLst/>
@@ -4114,7 +4114,7 @@
       </p:grpSpPr>
       <p:pic>
         <p:nvPicPr>
-          <p:cNvPr id="3" name="Picture 2"/>
+          <p:cNvPr id="2" name="Picture 1"/>
           <p:cNvPicPr>
             <a:picLocks noChangeAspect="1"/>
           </p:cNvPicPr>
@@ -4129,7 +4129,7 @@
         <p:spPr>
           <a:xfrm>
             <a:off x="180468" y="136148"/>
-            <a:ext cx="11020932" cy="6620252"/>
+            <a:ext cx="12355318" cy="6349712"/>
           </a:xfrm>
           <a:prstGeom prst="rect">
             <a:avLst/>
@@ -4152,7 +4152,7 @@
         </p:nvSpPr>
         <p:spPr>
           <a:xfrm>
-            <a:off x="7162800" y="469900"/>
+            <a:off x="4991100" y="471351"/>
             <a:ext cx="5994400" cy="584775"/>
           </a:xfrm>
           <a:prstGeom prst="rect">
@@ -4200,7 +4200,7 @@
         </p:nvSpPr>
         <p:spPr>
           <a:xfrm>
-            <a:off x="8369300" y="1477327"/>
+            <a:off x="7295412" y="1511148"/>
             <a:ext cx="5994400" cy="338554"/>
           </a:xfrm>
           <a:prstGeom prst="rect">
@@ -4220,7 +4220,15 @@
                   <a:srgbClr val="0000FF"/>
                 </a:solidFill>
               </a:rPr>
-              <a:t>Entry Point. i.e Main() in Main.py</a:t>
+              <a:t>Entry Point. i.e Main() in </a:t>
+            </a:r>
+            <a:r>
+              <a:rPr lang="en-US" sz="1600" smtClean="0">
+                <a:solidFill>
+                  <a:srgbClr val="0000FF"/>
+                </a:solidFill>
+              </a:rPr>
+              <a:t>Main.py (Package DemoStandAloneApp)</a:t>
             </a:r>
             <a:endParaRPr lang="en-US" sz="1600">
               <a:solidFill>
@@ -4238,7 +4246,7 @@
         </p:nvSpPr>
         <p:spPr>
           <a:xfrm>
-            <a:off x="6362700" y="3036857"/>
+            <a:off x="6005771" y="3386816"/>
             <a:ext cx="3251200" cy="338554"/>
           </a:xfrm>
           <a:prstGeom prst="rect">
@@ -4276,7 +4284,7 @@
         </p:nvSpPr>
         <p:spPr>
           <a:xfrm>
-            <a:off x="2146300" y="2565350"/>
+            <a:off x="8184412" y="2659763"/>
             <a:ext cx="4216400" cy="338554"/>
           </a:xfrm>
           <a:prstGeom prst="rect">
@@ -4314,7 +4322,7 @@
         </p:nvSpPr>
         <p:spPr>
           <a:xfrm>
-            <a:off x="8528050" y="3633038"/>
+            <a:off x="6941289" y="4664901"/>
             <a:ext cx="2781300" cy="584775"/>
           </a:xfrm>
           <a:prstGeom prst="rect">
@@ -4367,7 +4375,7 @@
         </p:nvSpPr>
         <p:spPr>
           <a:xfrm>
-            <a:off x="5588000" y="4185472"/>
+            <a:off x="4492846" y="5473430"/>
             <a:ext cx="5397500" cy="830997"/>
           </a:xfrm>
           <a:prstGeom prst="rect">
@@ -4397,7 +4405,15 @@
                   <a:srgbClr val="0000FF"/>
                 </a:solidFill>
               </a:rPr>
-              <a:t>Will retain the temporary OBJ folder</a:t>
+              <a:t>NO, Will </a:t>
+            </a:r>
+            <a:r>
+              <a:rPr lang="en-US" sz="1600" smtClean="0">
+                <a:solidFill>
+                  <a:srgbClr val="0000FF"/>
+                </a:solidFill>
+              </a:rPr>
+              <a:t>retain the temporary OBJ folder</a:t>
             </a:r>
           </a:p>
           <a:p>
@@ -4425,7 +4441,7 @@
         </p:nvSpPr>
         <p:spPr>
           <a:xfrm>
-            <a:off x="8578850" y="2140722"/>
+            <a:off x="6005771" y="2179517"/>
             <a:ext cx="5994400" cy="338554"/>
           </a:xfrm>
           <a:prstGeom prst="rect">
@@ -4446,6 +4462,64 @@
                 </a:solidFill>
               </a:rPr>
               <a:t>Copy ‘RunApp.sh’ to BLD_DIR</a:t>
+            </a:r>
+            <a:endParaRPr lang="en-US" sz="1600">
+              <a:solidFill>
+                <a:srgbClr val="0000FF"/>
+              </a:solidFill>
+            </a:endParaRPr>
+          </a:p>
+        </p:txBody>
+      </p:sp>
+      <p:sp>
+        <p:nvSpPr>
+          <p:cNvPr id="13" name="TextBox 12"/>
+          <p:cNvSpPr txBox="1"/>
+          <p:nvPr/>
+        </p:nvSpPr>
+        <p:spPr>
+          <a:xfrm>
+            <a:off x="10131499" y="3272051"/>
+            <a:ext cx="2781300" cy="830997"/>
+          </a:xfrm>
+          <a:prstGeom prst="rect">
+            <a:avLst/>
+          </a:prstGeom>
+          <a:noFill/>
+        </p:spPr>
+        <p:txBody>
+          <a:bodyPr wrap="square" rtlCol="0">
+            <a:spAutoFit/>
+          </a:bodyPr>
+          <a:lstStyle/>
+          <a:p>
+            <a:r>
+              <a:rPr lang="en-US" sz="1600" smtClean="0">
+                <a:solidFill>
+                  <a:srgbClr val="0000FF"/>
+                </a:solidFill>
+              </a:rPr>
+              <a:t>These are internal resources</a:t>
+            </a:r>
+          </a:p>
+          <a:p>
+            <a:r>
+              <a:rPr lang="en-US" sz="1600" smtClean="0">
+                <a:solidFill>
+                  <a:srgbClr val="0000FF"/>
+                </a:solidFill>
+              </a:rPr>
+              <a:t>Kept only inside the Program</a:t>
+            </a:r>
+          </a:p>
+          <a:p>
+            <a:r>
+              <a:rPr lang="en-US" sz="1600" smtClean="0">
+                <a:solidFill>
+                  <a:srgbClr val="0000FF"/>
+                </a:solidFill>
+              </a:rPr>
+              <a:t>PYZ Archive file</a:t>
             </a:r>
             <a:endParaRPr lang="en-US" sz="1600">
               <a:solidFill>

--- a/Docs/Diagroms.pptx
+++ b/Docs/Diagroms.pptx
@@ -4128,8 +4128,8 @@
         </p:blipFill>
         <p:spPr>
           <a:xfrm>
-            <a:off x="180468" y="136148"/>
-            <a:ext cx="12355318" cy="6349712"/>
+            <a:off x="180468" y="136147"/>
+            <a:ext cx="12220344" cy="6721853"/>
           </a:xfrm>
           <a:prstGeom prst="rect">
             <a:avLst/>
@@ -4200,7 +4200,7 @@
         </p:nvSpPr>
         <p:spPr>
           <a:xfrm>
-            <a:off x="7295412" y="1511148"/>
+            <a:off x="6460376" y="1391330"/>
             <a:ext cx="5994400" cy="338554"/>
           </a:xfrm>
           <a:prstGeom prst="rect">
@@ -4220,15 +4220,7 @@
                   <a:srgbClr val="0000FF"/>
                 </a:solidFill>
               </a:rPr>
-              <a:t>Entry Point. i.e Main() in </a:t>
-            </a:r>
-            <a:r>
-              <a:rPr lang="en-US" sz="1600" smtClean="0">
-                <a:solidFill>
-                  <a:srgbClr val="0000FF"/>
-                </a:solidFill>
-              </a:rPr>
-              <a:t>Main.py (Package DemoStandAloneApp)</a:t>
+              <a:t>Entry Point. i.e Main() in Main.py (Package DemoStandAloneApp)</a:t>
             </a:r>
             <a:endParaRPr lang="en-US" sz="1600">
               <a:solidFill>
@@ -4246,7 +4238,7 @@
         </p:nvSpPr>
         <p:spPr>
           <a:xfrm>
-            <a:off x="6005771" y="3386816"/>
+            <a:off x="5598147" y="3599294"/>
             <a:ext cx="3251200" cy="338554"/>
           </a:xfrm>
           <a:prstGeom prst="rect">
@@ -4375,7 +4367,7 @@
         </p:nvSpPr>
         <p:spPr>
           <a:xfrm>
-            <a:off x="4492846" y="5473430"/>
+            <a:off x="6038830" y="5437935"/>
             <a:ext cx="5397500" cy="830997"/>
           </a:xfrm>
           <a:prstGeom prst="rect">
@@ -4405,15 +4397,7 @@
                   <a:srgbClr val="0000FF"/>
                 </a:solidFill>
               </a:rPr>
-              <a:t>NO, Will </a:t>
-            </a:r>
-            <a:r>
-              <a:rPr lang="en-US" sz="1600" smtClean="0">
-                <a:solidFill>
-                  <a:srgbClr val="0000FF"/>
-                </a:solidFill>
-              </a:rPr>
-              <a:t>retain the temporary OBJ folder</a:t>
+              <a:t>NO, Will retain the temporary OBJ folder</a:t>
             </a:r>
           </a:p>
           <a:p>
@@ -4441,7 +4425,7 @@
         </p:nvSpPr>
         <p:spPr>
           <a:xfrm>
-            <a:off x="6005771" y="2179517"/>
+            <a:off x="5598147" y="2109044"/>
             <a:ext cx="5994400" cy="338554"/>
           </a:xfrm>
           <a:prstGeom prst="rect">
@@ -4479,7 +4463,7 @@
         </p:nvSpPr>
         <p:spPr>
           <a:xfrm>
-            <a:off x="10131499" y="3272051"/>
+            <a:off x="9890346" y="3667407"/>
             <a:ext cx="2781300" cy="830997"/>
           </a:xfrm>
           <a:prstGeom prst="rect">
